--- a/doc/开发进度.pptx
+++ b/doc/开发进度.pptx
@@ -7,6 +7,7 @@
   <p:sldIdLst>
     <p:sldId id="256" r:id="rId2"/>
     <p:sldId id="257" r:id="rId3"/>
+    <p:sldId id="258" r:id="rId4"/>
   </p:sldIdLst>
   <p:sldSz cx="12192000" cy="6858000"/>
   <p:notesSz cx="6858000" cy="9144000"/>
@@ -105,6 +106,11 @@
       </a:defRPr>
     </a:lvl9pPr>
   </p:defaultTextStyle>
+  <p:extLst>
+    <p:ext uri="{EFAFB233-063F-42B5-8137-9DF3F51BA10A}">
+      <p15:sldGuideLst xmlns:p15="http://schemas.microsoft.com/office/powerpoint/2012/main"/>
+    </p:ext>
+  </p:extLst>
 </p:presentation>
 </file>
 
@@ -255,7 +261,7 @@
           <a:p>
             <a:fld id="{C1A1B662-7041-47BC-8FB0-22DE2B3507AE}" type="datetimeFigureOut">
               <a:rPr lang="zh-CN" altLang="en-US" smtClean="0"/>
-              <a:t>2025/11/4</a:t>
+              <a:t>2025/11/9</a:t>
             </a:fld>
             <a:endParaRPr lang="zh-CN" altLang="en-US"/>
           </a:p>
@@ -453,7 +459,7 @@
           <a:p>
             <a:fld id="{C1A1B662-7041-47BC-8FB0-22DE2B3507AE}" type="datetimeFigureOut">
               <a:rPr lang="zh-CN" altLang="en-US" smtClean="0"/>
-              <a:t>2025/11/4</a:t>
+              <a:t>2025/11/9</a:t>
             </a:fld>
             <a:endParaRPr lang="zh-CN" altLang="en-US"/>
           </a:p>
@@ -661,7 +667,7 @@
           <a:p>
             <a:fld id="{C1A1B662-7041-47BC-8FB0-22DE2B3507AE}" type="datetimeFigureOut">
               <a:rPr lang="zh-CN" altLang="en-US" smtClean="0"/>
-              <a:t>2025/11/4</a:t>
+              <a:t>2025/11/9</a:t>
             </a:fld>
             <a:endParaRPr lang="zh-CN" altLang="en-US"/>
           </a:p>
@@ -859,7 +865,7 @@
           <a:p>
             <a:fld id="{C1A1B662-7041-47BC-8FB0-22DE2B3507AE}" type="datetimeFigureOut">
               <a:rPr lang="zh-CN" altLang="en-US" smtClean="0"/>
-              <a:t>2025/11/4</a:t>
+              <a:t>2025/11/9</a:t>
             </a:fld>
             <a:endParaRPr lang="zh-CN" altLang="en-US"/>
           </a:p>
@@ -1134,7 +1140,7 @@
           <a:p>
             <a:fld id="{C1A1B662-7041-47BC-8FB0-22DE2B3507AE}" type="datetimeFigureOut">
               <a:rPr lang="zh-CN" altLang="en-US" smtClean="0"/>
-              <a:t>2025/11/4</a:t>
+              <a:t>2025/11/9</a:t>
             </a:fld>
             <a:endParaRPr lang="zh-CN" altLang="en-US"/>
           </a:p>
@@ -1399,7 +1405,7 @@
           <a:p>
             <a:fld id="{C1A1B662-7041-47BC-8FB0-22DE2B3507AE}" type="datetimeFigureOut">
               <a:rPr lang="zh-CN" altLang="en-US" smtClean="0"/>
-              <a:t>2025/11/4</a:t>
+              <a:t>2025/11/9</a:t>
             </a:fld>
             <a:endParaRPr lang="zh-CN" altLang="en-US"/>
           </a:p>
@@ -1811,7 +1817,7 @@
           <a:p>
             <a:fld id="{C1A1B662-7041-47BC-8FB0-22DE2B3507AE}" type="datetimeFigureOut">
               <a:rPr lang="zh-CN" altLang="en-US" smtClean="0"/>
-              <a:t>2025/11/4</a:t>
+              <a:t>2025/11/9</a:t>
             </a:fld>
             <a:endParaRPr lang="zh-CN" altLang="en-US"/>
           </a:p>
@@ -1952,7 +1958,7 @@
           <a:p>
             <a:fld id="{C1A1B662-7041-47BC-8FB0-22DE2B3507AE}" type="datetimeFigureOut">
               <a:rPr lang="zh-CN" altLang="en-US" smtClean="0"/>
-              <a:t>2025/11/4</a:t>
+              <a:t>2025/11/9</a:t>
             </a:fld>
             <a:endParaRPr lang="zh-CN" altLang="en-US"/>
           </a:p>
@@ -2065,7 +2071,7 @@
           <a:p>
             <a:fld id="{C1A1B662-7041-47BC-8FB0-22DE2B3507AE}" type="datetimeFigureOut">
               <a:rPr lang="zh-CN" altLang="en-US" smtClean="0"/>
-              <a:t>2025/11/4</a:t>
+              <a:t>2025/11/9</a:t>
             </a:fld>
             <a:endParaRPr lang="zh-CN" altLang="en-US"/>
           </a:p>
@@ -2376,7 +2382,7 @@
           <a:p>
             <a:fld id="{C1A1B662-7041-47BC-8FB0-22DE2B3507AE}" type="datetimeFigureOut">
               <a:rPr lang="zh-CN" altLang="en-US" smtClean="0"/>
-              <a:t>2025/11/4</a:t>
+              <a:t>2025/11/9</a:t>
             </a:fld>
             <a:endParaRPr lang="zh-CN" altLang="en-US"/>
           </a:p>
@@ -2664,7 +2670,7 @@
           <a:p>
             <a:fld id="{C1A1B662-7041-47BC-8FB0-22DE2B3507AE}" type="datetimeFigureOut">
               <a:rPr lang="zh-CN" altLang="en-US" smtClean="0"/>
-              <a:t>2025/11/4</a:t>
+              <a:t>2025/11/9</a:t>
             </a:fld>
             <a:endParaRPr lang="zh-CN" altLang="en-US"/>
           </a:p>
@@ -2905,7 +2911,7 @@
           <a:p>
             <a:fld id="{C1A1B662-7041-47BC-8FB0-22DE2B3507AE}" type="datetimeFigureOut">
               <a:rPr lang="zh-CN" altLang="en-US" smtClean="0"/>
-              <a:t>2025/11/4</a:t>
+              <a:t>2025/11/9</a:t>
             </a:fld>
             <a:endParaRPr lang="zh-CN" altLang="en-US"/>
           </a:p>
@@ -3630,6 +3636,294 @@
 </p:sld>
 </file>
 
+<file path=ppt/slides/slide3.xml><?xml version="1.0" encoding="utf-8"?>
+<p:sld xmlns:a="http://schemas.openxmlformats.org/drawingml/2006/main" xmlns:r="http://schemas.openxmlformats.org/officeDocument/2006/relationships" xmlns:p="http://schemas.openxmlformats.org/presentationml/2006/main">
+  <p:cSld>
+    <p:spTree>
+      <p:nvGrpSpPr>
+        <p:cNvPr id="1" name=""/>
+        <p:cNvGrpSpPr/>
+        <p:nvPr/>
+      </p:nvGrpSpPr>
+      <p:grpSpPr>
+        <a:xfrm>
+          <a:off x="0" y="0"/>
+          <a:ext cx="0" cy="0"/>
+          <a:chOff x="0" y="0"/>
+          <a:chExt cx="0" cy="0"/>
+        </a:xfrm>
+      </p:grpSpPr>
+      <p:sp>
+        <p:nvSpPr>
+          <p:cNvPr id="3" name="文本框 2">
+            <a:extLst>
+              <a:ext uri="{FF2B5EF4-FFF2-40B4-BE49-F238E27FC236}">
+                <a16:creationId xmlns:a16="http://schemas.microsoft.com/office/drawing/2014/main" id="{DF3D8280-9710-4994-2B6D-BC810217088A}"/>
+              </a:ext>
+            </a:extLst>
+          </p:cNvPr>
+          <p:cNvSpPr txBox="1"/>
+          <p:nvPr/>
+        </p:nvSpPr>
+        <p:spPr>
+          <a:xfrm>
+            <a:off x="0" y="116541"/>
+            <a:ext cx="3523722" cy="400110"/>
+          </a:xfrm>
+          <a:prstGeom prst="rect">
+            <a:avLst/>
+          </a:prstGeom>
+          <a:noFill/>
+        </p:spPr>
+        <p:txBody>
+          <a:bodyPr wrap="none" rtlCol="0">
+            <a:spAutoFit/>
+          </a:bodyPr>
+          <a:lstStyle/>
+          <a:p>
+            <a:r>
+              <a:rPr lang="en-US" altLang="zh-CN" sz="2000" b="1" dirty="0"/>
+              <a:t>Week2——2025.11.03-11.09</a:t>
+            </a:r>
+            <a:endParaRPr lang="zh-CN" altLang="en-US" sz="2000" b="1" dirty="0"/>
+          </a:p>
+        </p:txBody>
+      </p:sp>
+      <p:sp>
+        <p:nvSpPr>
+          <p:cNvPr id="8" name="文本框 7">
+            <a:extLst>
+              <a:ext uri="{FF2B5EF4-FFF2-40B4-BE49-F238E27FC236}">
+                <a16:creationId xmlns:a16="http://schemas.microsoft.com/office/drawing/2014/main" id="{C91C78B4-A60D-8450-F46E-D5EEFE519204}"/>
+              </a:ext>
+            </a:extLst>
+          </p:cNvPr>
+          <p:cNvSpPr txBox="1"/>
+          <p:nvPr/>
+        </p:nvSpPr>
+        <p:spPr>
+          <a:xfrm>
+            <a:off x="860613" y="1406349"/>
+            <a:ext cx="4344459" cy="2231508"/>
+          </a:xfrm>
+          <a:prstGeom prst="rect">
+            <a:avLst/>
+          </a:prstGeom>
+          <a:noFill/>
+        </p:spPr>
+        <p:txBody>
+          <a:bodyPr wrap="none" rtlCol="0">
+            <a:spAutoFit/>
+          </a:bodyPr>
+          <a:lstStyle/>
+          <a:p>
+            <a:pPr marL="342900" indent="-342900">
+              <a:lnSpc>
+                <a:spcPct val="200000"/>
+              </a:lnSpc>
+              <a:buAutoNum type="arabicPeriod"/>
+            </a:pPr>
+            <a:r>
+              <a:rPr lang="zh-CN" altLang="en-US" dirty="0"/>
+              <a:t>学习</a:t>
+            </a:r>
+            <a:r>
+              <a:rPr lang="en-US" altLang="zh-CN" dirty="0"/>
+              <a:t>VTK</a:t>
+            </a:r>
+            <a:r>
+              <a:rPr lang="zh-CN" altLang="en-US" dirty="0"/>
+              <a:t>和</a:t>
+            </a:r>
+            <a:r>
+              <a:rPr lang="en-US" altLang="zh-CN" dirty="0"/>
+              <a:t>OCCT;</a:t>
+            </a:r>
+          </a:p>
+          <a:p>
+            <a:pPr marL="342900" indent="-342900">
+              <a:lnSpc>
+                <a:spcPct val="200000"/>
+              </a:lnSpc>
+              <a:buAutoNum type="arabicPeriod"/>
+            </a:pPr>
+            <a:r>
+              <a:rPr lang="zh-CN" altLang="en-US" dirty="0"/>
+              <a:t>完成界面图标添加；</a:t>
+            </a:r>
+            <a:endParaRPr lang="en-US" altLang="zh-CN" dirty="0"/>
+          </a:p>
+          <a:p>
+            <a:pPr marL="342900" indent="-342900">
+              <a:lnSpc>
+                <a:spcPct val="200000"/>
+              </a:lnSpc>
+              <a:buAutoNum type="arabicPeriod"/>
+            </a:pPr>
+            <a:r>
+              <a:rPr lang="en-US" altLang="zh-CN" dirty="0"/>
+              <a:t>VTK </a:t>
+            </a:r>
+            <a:r>
+              <a:rPr lang="zh-CN" altLang="en-US" dirty="0"/>
+              <a:t>和</a:t>
+            </a:r>
+            <a:r>
+              <a:rPr lang="en-US" altLang="zh-CN" dirty="0"/>
+              <a:t>OCCT </a:t>
+            </a:r>
+            <a:r>
+              <a:rPr lang="zh-CN" altLang="en-US" dirty="0"/>
+              <a:t>第三方库的</a:t>
+            </a:r>
+            <a:r>
+              <a:rPr lang="en-US" altLang="zh-CN" dirty="0" err="1"/>
+              <a:t>cmake</a:t>
+            </a:r>
+            <a:r>
+              <a:rPr lang="zh-CN" altLang="en-US" dirty="0"/>
+              <a:t>调试；</a:t>
+            </a:r>
+            <a:endParaRPr lang="en-US" altLang="zh-CN" dirty="0"/>
+          </a:p>
+          <a:p>
+            <a:pPr marL="342900" indent="-342900">
+              <a:lnSpc>
+                <a:spcPct val="200000"/>
+              </a:lnSpc>
+              <a:buAutoNum type="arabicPeriod"/>
+            </a:pPr>
+            <a:r>
+              <a:rPr lang="en-US" altLang="zh-CN" dirty="0"/>
+              <a:t>Docking </a:t>
+            </a:r>
+            <a:r>
+              <a:rPr lang="zh-CN" altLang="en-US" dirty="0"/>
+              <a:t>区域的布局。</a:t>
+            </a:r>
+          </a:p>
+        </p:txBody>
+      </p:sp>
+      <p:sp>
+        <p:nvSpPr>
+          <p:cNvPr id="2" name="文本框 1">
+            <a:extLst>
+              <a:ext uri="{FF2B5EF4-FFF2-40B4-BE49-F238E27FC236}">
+                <a16:creationId xmlns:a16="http://schemas.microsoft.com/office/drawing/2014/main" id="{5ED8D6B7-6E98-7DA4-88A1-E58CE889C6A3}"/>
+              </a:ext>
+            </a:extLst>
+          </p:cNvPr>
+          <p:cNvSpPr txBox="1"/>
+          <p:nvPr/>
+        </p:nvSpPr>
+        <p:spPr>
+          <a:xfrm>
+            <a:off x="7924800" y="1329259"/>
+            <a:ext cx="1569660" cy="369332"/>
+          </a:xfrm>
+          <a:prstGeom prst="rect">
+            <a:avLst/>
+          </a:prstGeom>
+          <a:noFill/>
+        </p:spPr>
+        <p:txBody>
+          <a:bodyPr wrap="none" rtlCol="0">
+            <a:spAutoFit/>
+          </a:bodyPr>
+          <a:lstStyle/>
+          <a:p>
+            <a:r>
+              <a:rPr lang="zh-CN" altLang="en-US" b="1" dirty="0"/>
+              <a:t>参考学习资料</a:t>
+            </a:r>
+          </a:p>
+        </p:txBody>
+      </p:sp>
+      <p:sp>
+        <p:nvSpPr>
+          <p:cNvPr id="4" name="文本框 3">
+            <a:extLst>
+              <a:ext uri="{FF2B5EF4-FFF2-40B4-BE49-F238E27FC236}">
+                <a16:creationId xmlns:a16="http://schemas.microsoft.com/office/drawing/2014/main" id="{AAE0266A-626D-4FEC-129A-A49815607C45}"/>
+              </a:ext>
+            </a:extLst>
+          </p:cNvPr>
+          <p:cNvSpPr txBox="1"/>
+          <p:nvPr/>
+        </p:nvSpPr>
+        <p:spPr>
+          <a:xfrm>
+            <a:off x="7315200" y="2146827"/>
+            <a:ext cx="3523129" cy="1296637"/>
+          </a:xfrm>
+          <a:prstGeom prst="rect">
+            <a:avLst/>
+          </a:prstGeom>
+          <a:noFill/>
+        </p:spPr>
+        <p:txBody>
+          <a:bodyPr wrap="square" rtlCol="0">
+            <a:spAutoFit/>
+          </a:bodyPr>
+          <a:lstStyle/>
+          <a:p>
+            <a:pPr marL="342900" indent="-342900">
+              <a:lnSpc>
+                <a:spcPct val="150000"/>
+              </a:lnSpc>
+              <a:buAutoNum type="arabicPeriod"/>
+            </a:pPr>
+            <a:r>
+              <a:rPr lang="en-US" altLang="zh-CN" dirty="0" err="1"/>
+              <a:t>DAWorkBench</a:t>
+            </a:r>
+            <a:endParaRPr lang="en-US" altLang="zh-CN" dirty="0"/>
+          </a:p>
+          <a:p>
+            <a:pPr marL="342900" indent="-342900">
+              <a:lnSpc>
+                <a:spcPct val="150000"/>
+              </a:lnSpc>
+              <a:buAutoNum type="arabicPeriod"/>
+            </a:pPr>
+            <a:r>
+              <a:rPr lang="en-US" altLang="zh-CN" dirty="0" err="1"/>
+              <a:t>FastCAE</a:t>
+            </a:r>
+            <a:endParaRPr lang="en-US" altLang="zh-CN" dirty="0"/>
+          </a:p>
+          <a:p>
+            <a:pPr marL="342900" indent="-342900">
+              <a:lnSpc>
+                <a:spcPct val="150000"/>
+              </a:lnSpc>
+              <a:buAutoNum type="arabicPeriod"/>
+            </a:pPr>
+            <a:r>
+              <a:rPr lang="en-US" altLang="zh-CN" dirty="0"/>
+              <a:t> </a:t>
+            </a:r>
+            <a:r>
+              <a:rPr lang="en-US" altLang="zh-CN" dirty="0" err="1"/>
+              <a:t>OpenLaser</a:t>
+            </a:r>
+            <a:endParaRPr lang="zh-CN" altLang="en-US" dirty="0"/>
+          </a:p>
+        </p:txBody>
+      </p:sp>
+    </p:spTree>
+    <p:extLst>
+      <p:ext uri="{BB962C8B-B14F-4D97-AF65-F5344CB8AC3E}">
+        <p14:creationId xmlns:p14="http://schemas.microsoft.com/office/powerpoint/2010/main" val="3965358915"/>
+      </p:ext>
+    </p:extLst>
+  </p:cSld>
+  <p:clrMapOvr>
+    <a:masterClrMapping/>
+  </p:clrMapOvr>
+</p:sld>
+</file>
+
 <file path=ppt/theme/theme1.xml><?xml version="1.0" encoding="utf-8"?>
 <a:theme xmlns:a="http://schemas.openxmlformats.org/drawingml/2006/main" name="Office 主题​​">
   <a:themeElements>
